--- a/princytravelagenticai.pptx
+++ b/princytravelagenticai.pptx
@@ -6119,17 +6119,18 @@
                   <a:schemeClr val="tx1"/>
                 </a:solidFill>
               </a:rPr>
-              <a:t>GitHub </a:t>
-            </a:r>
-            <a:r>
-              <a:rPr lang="en-IN" b="1">
+              <a:t>GitHub link: https:</a:t>
+            </a:r>
+            <a:r>
+              <a:rPr lang="en-IN" dirty="0">
                 <a:solidFill>
                   <a:schemeClr val="tx1"/>
                 </a:solidFill>
-              </a:rPr>
-              <a:t>link: </a:t>
-            </a:r>
-            <a:endParaRPr lang="en-IN" b="1" dirty="0">
+                <a:hlinkClick r:id="rId2"/>
+              </a:rPr>
+              <a:t>//github.com/Princy-Murugaraj/Travel-AI-Agent.git </a:t>
+            </a:r>
+            <a:endParaRPr lang="en-IN" dirty="0">
               <a:solidFill>
                 <a:schemeClr val="tx1"/>
               </a:solidFill>
